--- a/PPT/JS/07JavaScript数组.pptx
+++ b/PPT/JS/07JavaScript数组.pptx
@@ -12673,7 +12673,7 @@
                 <a:ea typeface="宋体" panose="02010600030101010101" pitchFamily="2" charset="-122"/>
                 <a:sym typeface="宋体" panose="02010600030101010101" pitchFamily="2" charset="-122"/>
               </a:rPr>
-              <a:t>。</a:t>
+              <a:t>。 </a:t>
             </a:r>
             <a:endParaRPr lang="zh-CN" altLang="en-US">
               <a:solidFill>
@@ -17642,7 +17642,7 @@
         </p:nvSpPr>
         <p:spPr>
           <a:xfrm>
-            <a:off x="1487170" y="845820"/>
+            <a:off x="1426845" y="800100"/>
             <a:ext cx="6169660" cy="4154170"/>
           </a:xfrm>
           <a:prstGeom prst="rect">
@@ -26714,7 +26714,7 @@
         <p:spPr>
           <a:xfrm>
             <a:off x="711200" y="1091565"/>
-            <a:ext cx="7844790" cy="2861310"/>
+            <a:ext cx="7844790" cy="3692525"/>
           </a:xfrm>
           <a:prstGeom prst="rect">
             <a:avLst/>
@@ -26769,6 +26769,21 @@
             <a:r>
               <a:t>给定两个升序整型数组a和b，打印其共同元素，比如：a = [0, 1, 2, 3, 4]，b = [1, 3, 5, 7, 9]，输出 1, 3</a:t>
             </a:r>
+          </a:p>
+          <a:p/>
+          <a:p>
+            <a:r>
+              <a:rPr lang="en-US"/>
+              <a:t>9. var arr = [4, 0, 7, 9, 0, 0, 2, 6, 0, 4,6,9, 1, 0];</a:t>
+            </a:r>
+            <a:endParaRPr lang="en-US"/>
+          </a:p>
+          <a:p>
+            <a:r>
+              <a:rPr lang="en-US"/>
+              <a:t>要求将数组中的0项去掉，将不为0的值存入一个新的数组，生成新的数组</a:t>
+            </a:r>
+            <a:endParaRPr lang="en-US"/>
           </a:p>
         </p:txBody>
       </p:sp>
